--- a/Documents/BioRubeBot Project Summer 2015 Final Presentation.pptx
+++ b/Documents/BioRubeBot Project Summer 2015 Final Presentation.pptx
@@ -287,7 +287,7 @@
               <a:pPr>
                 <a:defRPr/>
               </a:pPr>
-              <a:t>15/07/2015</a:t>
+              <a:t>21/07/2015</a:t>
             </a:fld>
             <a:endParaRPr lang="en-JM"/>
           </a:p>
@@ -502,7 +502,7 @@
               <a:pPr>
                 <a:defRPr/>
               </a:pPr>
-              <a:t>15/07/2015</a:t>
+              <a:t>21/07/2015</a:t>
             </a:fld>
             <a:endParaRPr lang="en-JM"/>
           </a:p>
@@ -880,14 +880,14 @@
           </a:ln>
           <a:extLst>
             <a:ext uri="{909E8E84-426E-40dd-AFC4-6F175D3DCCD1}">
-              <a14:hiddenFill xmlns="" xmlns:a14="http://schemas.microsoft.com/office/drawing/2010/main">
+              <a14:hiddenFill xmlns:a14="http://schemas.microsoft.com/office/drawing/2010/main" xmlns="">
                 <a:solidFill>
                   <a:srgbClr val="FFFFFF"/>
                 </a:solidFill>
               </a14:hiddenFill>
             </a:ext>
             <a:ext uri="{91240B29-F687-4f45-9708-019B960494DF}">
-              <a14:hiddenLine xmlns="" xmlns:a14="http://schemas.microsoft.com/office/drawing/2010/main" w="9525">
+              <a14:hiddenLine xmlns:a14="http://schemas.microsoft.com/office/drawing/2010/main" xmlns="" w="9525">
                 <a:solidFill>
                   <a:srgbClr val="000000"/>
                 </a:solidFill>
@@ -1176,14 +1176,14 @@
           </a:ln>
           <a:extLst>
             <a:ext uri="{909E8E84-426E-40dd-AFC4-6F175D3DCCD1}">
-              <a14:hiddenFill xmlns="" xmlns:a14="http://schemas.microsoft.com/office/drawing/2010/main">
+              <a14:hiddenFill xmlns:a14="http://schemas.microsoft.com/office/drawing/2010/main" xmlns="">
                 <a:solidFill>
                   <a:srgbClr val="FFFFFF"/>
                 </a:solidFill>
               </a14:hiddenFill>
             </a:ext>
             <a:ext uri="{91240B29-F687-4f45-9708-019B960494DF}">
-              <a14:hiddenLine xmlns="" xmlns:a14="http://schemas.microsoft.com/office/drawing/2010/main" w="9525">
+              <a14:hiddenLine xmlns:a14="http://schemas.microsoft.com/office/drawing/2010/main" xmlns="" w="9525">
                 <a:solidFill>
                   <a:srgbClr val="000000"/>
                 </a:solidFill>
@@ -1788,14 +1788,14 @@
           </a:ln>
           <a:extLst>
             <a:ext uri="{909E8E84-426E-40dd-AFC4-6F175D3DCCD1}">
-              <a14:hiddenFill xmlns="" xmlns:a14="http://schemas.microsoft.com/office/drawing/2010/main">
+              <a14:hiddenFill xmlns:a14="http://schemas.microsoft.com/office/drawing/2010/main" xmlns="">
                 <a:solidFill>
                   <a:srgbClr val="FFFFFF"/>
                 </a:solidFill>
               </a14:hiddenFill>
             </a:ext>
             <a:ext uri="{91240B29-F687-4f45-9708-019B960494DF}">
-              <a14:hiddenLine xmlns="" xmlns:a14="http://schemas.microsoft.com/office/drawing/2010/main" w="9525">
+              <a14:hiddenLine xmlns:a14="http://schemas.microsoft.com/office/drawing/2010/main" xmlns="" w="9525">
                 <a:solidFill>
                   <a:srgbClr val="000000"/>
                 </a:solidFill>
@@ -2879,14 +2879,14 @@
           </a:ln>
           <a:extLst>
             <a:ext uri="{909E8E84-426E-40dd-AFC4-6F175D3DCCD1}">
-              <a14:hiddenFill xmlns="" xmlns:a14="http://schemas.microsoft.com/office/drawing/2010/main">
+              <a14:hiddenFill xmlns:a14="http://schemas.microsoft.com/office/drawing/2010/main" xmlns="">
                 <a:solidFill>
                   <a:srgbClr val="FFFFFF"/>
                 </a:solidFill>
               </a14:hiddenFill>
             </a:ext>
             <a:ext uri="{91240B29-F687-4f45-9708-019B960494DF}">
-              <a14:hiddenLine xmlns="" xmlns:a14="http://schemas.microsoft.com/office/drawing/2010/main" w="9525">
+              <a14:hiddenLine xmlns:a14="http://schemas.microsoft.com/office/drawing/2010/main" xmlns="" w="9525">
                 <a:solidFill>
                   <a:srgbClr val="000000"/>
                 </a:solidFill>
@@ -11257,14 +11257,14 @@
           </a:ln>
           <a:extLst>
             <a:ext uri="{909E8E84-426E-40dd-AFC4-6F175D3DCCD1}">
-              <a14:hiddenFill xmlns="" xmlns:a14="http://schemas.microsoft.com/office/drawing/2010/main">
+              <a14:hiddenFill xmlns:a14="http://schemas.microsoft.com/office/drawing/2010/main" xmlns="">
                 <a:solidFill>
                   <a:srgbClr val="FFFFFF"/>
                 </a:solidFill>
               </a14:hiddenFill>
             </a:ext>
             <a:ext uri="{91240B29-F687-4f45-9708-019B960494DF}">
-              <a14:hiddenLine xmlns="" xmlns:a14="http://schemas.microsoft.com/office/drawing/2010/main" w="9525">
+              <a14:hiddenLine xmlns:a14="http://schemas.microsoft.com/office/drawing/2010/main" xmlns="" w="9525">
                 <a:solidFill>
                   <a:srgbClr val="000000"/>
                 </a:solidFill>
@@ -11621,14 +11621,14 @@
           </a:ln>
           <a:extLst>
             <a:ext uri="{909E8E84-426E-40dd-AFC4-6F175D3DCCD1}">
-              <a14:hiddenFill xmlns="" xmlns:a14="http://schemas.microsoft.com/office/drawing/2010/main">
+              <a14:hiddenFill xmlns:a14="http://schemas.microsoft.com/office/drawing/2010/main" xmlns="">
                 <a:solidFill>
                   <a:srgbClr val="FFFFFF"/>
                 </a:solidFill>
               </a14:hiddenFill>
             </a:ext>
             <a:ext uri="{91240B29-F687-4f45-9708-019B960494DF}">
-              <a14:hiddenLine xmlns="" xmlns:a14="http://schemas.microsoft.com/office/drawing/2010/main" w="9525">
+              <a14:hiddenLine xmlns:a14="http://schemas.microsoft.com/office/drawing/2010/main" xmlns="" w="9525">
                 <a:solidFill>
                   <a:srgbClr val="000000"/>
                 </a:solidFill>
@@ -11806,7 +11806,7 @@
           </a:effectLst>
           <a:extLst>
             <a:ext uri="{91240B29-F687-4f45-9708-019B960494DF}">
-              <a14:hiddenLine xmlns="" xmlns:a14="http://schemas.microsoft.com/office/drawing/2010/main" w="25400">
+              <a14:hiddenLine xmlns:a14="http://schemas.microsoft.com/office/drawing/2010/main" xmlns="" w="25400">
                 <a:solidFill>
                   <a:srgbClr val="000000"/>
                 </a:solidFill>
@@ -11876,7 +11876,7 @@
           </a:effectLst>
           <a:extLst>
             <a:ext uri="{91240B29-F687-4f45-9708-019B960494DF}">
-              <a14:hiddenLine xmlns="" xmlns:a14="http://schemas.microsoft.com/office/drawing/2010/main" w="25400">
+              <a14:hiddenLine xmlns:a14="http://schemas.microsoft.com/office/drawing/2010/main" xmlns="" w="25400">
                 <a:solidFill>
                   <a:srgbClr val="000000"/>
                 </a:solidFill>
@@ -14106,14 +14106,14 @@
           </a:ln>
           <a:extLst>
             <a:ext uri="{909E8E84-426E-40dd-AFC4-6F175D3DCCD1}">
-              <a14:hiddenFill xmlns="" xmlns:a14="http://schemas.microsoft.com/office/drawing/2010/main">
+              <a14:hiddenFill xmlns:a14="http://schemas.microsoft.com/office/drawing/2010/main" xmlns="">
                 <a:solidFill>
                   <a:srgbClr val="FFFFFF"/>
                 </a:solidFill>
               </a14:hiddenFill>
             </a:ext>
             <a:ext uri="{91240B29-F687-4f45-9708-019B960494DF}">
-              <a14:hiddenLine xmlns="" xmlns:a14="http://schemas.microsoft.com/office/drawing/2010/main" w="9525">
+              <a14:hiddenLine xmlns:a14="http://schemas.microsoft.com/office/drawing/2010/main" xmlns="" w="9525">
                 <a:solidFill>
                   <a:srgbClr val="000000"/>
                 </a:solidFill>
@@ -14160,14 +14160,14 @@
           </a:ln>
           <a:extLst>
             <a:ext uri="{909E8E84-426E-40dd-AFC4-6F175D3DCCD1}">
-              <a14:hiddenFill xmlns="" xmlns:a14="http://schemas.microsoft.com/office/drawing/2010/main">
+              <a14:hiddenFill xmlns:a14="http://schemas.microsoft.com/office/drawing/2010/main" xmlns="">
                 <a:solidFill>
                   <a:srgbClr val="FFFFFF"/>
                 </a:solidFill>
               </a14:hiddenFill>
             </a:ext>
             <a:ext uri="{91240B29-F687-4f45-9708-019B960494DF}">
-              <a14:hiddenLine xmlns="" xmlns:a14="http://schemas.microsoft.com/office/drawing/2010/main" w="9525">
+              <a14:hiddenLine xmlns:a14="http://schemas.microsoft.com/office/drawing/2010/main" xmlns="" w="9525">
                 <a:solidFill>
                   <a:srgbClr val="000000"/>
                 </a:solidFill>
@@ -14214,14 +14214,14 @@
           </a:ln>
           <a:extLst>
             <a:ext uri="{909E8E84-426E-40dd-AFC4-6F175D3DCCD1}">
-              <a14:hiddenFill xmlns="" xmlns:a14="http://schemas.microsoft.com/office/drawing/2010/main">
+              <a14:hiddenFill xmlns:a14="http://schemas.microsoft.com/office/drawing/2010/main" xmlns="">
                 <a:solidFill>
                   <a:srgbClr val="FFFFFF"/>
                 </a:solidFill>
               </a14:hiddenFill>
             </a:ext>
             <a:ext uri="{91240B29-F687-4f45-9708-019B960494DF}">
-              <a14:hiddenLine xmlns="" xmlns:a14="http://schemas.microsoft.com/office/drawing/2010/main" w="9525">
+              <a14:hiddenLine xmlns:a14="http://schemas.microsoft.com/office/drawing/2010/main" xmlns="" w="9525">
                 <a:solidFill>
                   <a:srgbClr val="000000"/>
                 </a:solidFill>
@@ -14701,14 +14701,14 @@
           </a:ln>
           <a:extLst>
             <a:ext uri="{909E8E84-426E-40dd-AFC4-6F175D3DCCD1}">
-              <a14:hiddenFill xmlns="" xmlns:a14="http://schemas.microsoft.com/office/drawing/2010/main">
+              <a14:hiddenFill xmlns:a14="http://schemas.microsoft.com/office/drawing/2010/main" xmlns="">
                 <a:solidFill>
                   <a:srgbClr val="FFFFFF"/>
                 </a:solidFill>
               </a14:hiddenFill>
             </a:ext>
             <a:ext uri="{91240B29-F687-4f45-9708-019B960494DF}">
-              <a14:hiddenLine xmlns="" xmlns:a14="http://schemas.microsoft.com/office/drawing/2010/main" w="9525">
+              <a14:hiddenLine xmlns:a14="http://schemas.microsoft.com/office/drawing/2010/main" xmlns="" w="9525">
                 <a:solidFill>
                   <a:srgbClr val="000000"/>
                 </a:solidFill>
@@ -14744,14 +14744,14 @@
           </a:ln>
           <a:extLst>
             <a:ext uri="{909E8E84-426E-40dd-AFC4-6F175D3DCCD1}">
-              <a14:hiddenFill xmlns="" xmlns:a14="http://schemas.microsoft.com/office/drawing/2010/main">
+              <a14:hiddenFill xmlns:a14="http://schemas.microsoft.com/office/drawing/2010/main" xmlns="">
                 <a:solidFill>
                   <a:srgbClr val="FFFFFF"/>
                 </a:solidFill>
               </a14:hiddenFill>
             </a:ext>
             <a:ext uri="{91240B29-F687-4f45-9708-019B960494DF}">
-              <a14:hiddenLine xmlns="" xmlns:a14="http://schemas.microsoft.com/office/drawing/2010/main" w="9525">
+              <a14:hiddenLine xmlns:a14="http://schemas.microsoft.com/office/drawing/2010/main" xmlns="" w="9525">
                 <a:solidFill>
                   <a:srgbClr val="000000"/>
                 </a:solidFill>
@@ -14803,14 +14803,14 @@
           </a:ln>
           <a:extLst>
             <a:ext uri="{909E8E84-426E-40dd-AFC4-6F175D3DCCD1}">
-              <a14:hiddenFill xmlns="" xmlns:a14="http://schemas.microsoft.com/office/drawing/2010/main">
+              <a14:hiddenFill xmlns:a14="http://schemas.microsoft.com/office/drawing/2010/main" xmlns="">
                 <a:solidFill>
                   <a:srgbClr val="FFFFFF"/>
                 </a:solidFill>
               </a14:hiddenFill>
             </a:ext>
             <a:ext uri="{91240B29-F687-4f45-9708-019B960494DF}">
-              <a14:hiddenLine xmlns="" xmlns:a14="http://schemas.microsoft.com/office/drawing/2010/main" w="9525">
+              <a14:hiddenLine xmlns:a14="http://schemas.microsoft.com/office/drawing/2010/main" xmlns="" w="9525">
                 <a:solidFill>
                   <a:srgbClr val="000000"/>
                 </a:solidFill>
@@ -15076,7 +15076,7 @@
           </a:effectLst>
           <a:extLst>
             <a:ext uri="{91240B29-F687-4f45-9708-019B960494DF}">
-              <a14:hiddenLine xmlns="" xmlns:a14="http://schemas.microsoft.com/office/drawing/2010/main" w="9525">
+              <a14:hiddenLine xmlns:a14="http://schemas.microsoft.com/office/drawing/2010/main" xmlns="" w="9525">
                 <a:solidFill>
                   <a:srgbClr val="000000"/>
                 </a:solidFill>
@@ -15144,7 +15144,7 @@
           </a:effectLst>
           <a:extLst>
             <a:ext uri="{91240B29-F687-4f45-9708-019B960494DF}">
-              <a14:hiddenLine xmlns="" xmlns:a14="http://schemas.microsoft.com/office/drawing/2010/main" w="25400">
+              <a14:hiddenLine xmlns:a14="http://schemas.microsoft.com/office/drawing/2010/main" xmlns="" w="25400">
                 <a:solidFill>
                   <a:srgbClr val="000000"/>
                 </a:solidFill>
@@ -15214,7 +15214,7 @@
           </a:effectLst>
           <a:extLst>
             <a:ext uri="{91240B29-F687-4f45-9708-019B960494DF}">
-              <a14:hiddenLine xmlns="" xmlns:a14="http://schemas.microsoft.com/office/drawing/2010/main" w="25400">
+              <a14:hiddenLine xmlns:a14="http://schemas.microsoft.com/office/drawing/2010/main" xmlns="" w="25400">
                 <a:solidFill>
                   <a:srgbClr val="000000"/>
                 </a:solidFill>
@@ -16053,17 +16053,7 @@
                 <a:latin typeface="Trajan Pro" pitchFamily="18" charset="0"/>
                 <a:ea typeface="ＭＳ Ｐゴシック" pitchFamily="34" charset="-128"/>
               </a:rPr>
-              <a:t>BioRube</a:t>
-            </a:r>
-            <a:r>
-              <a:rPr lang="en-JM" dirty="0" err="1" smtClean="0">
-                <a:solidFill>
-                  <a:srgbClr val="006699"/>
-                </a:solidFill>
-                <a:latin typeface="Trajan Pro" pitchFamily="18" charset="0"/>
-                <a:ea typeface="ＭＳ Ｐゴシック" pitchFamily="34" charset="-128"/>
-              </a:rPr>
-              <a:t>Bot</a:t>
+              <a:t>BioRubeBot</a:t>
             </a:r>
             <a:r>
               <a:rPr lang="en-JM" dirty="0" smtClean="0">
@@ -16075,13 +16065,6 @@
               </a:rPr>
               <a:t> Project</a:t>
             </a:r>
-            <a:endParaRPr lang="en-JM" dirty="0" smtClean="0">
-              <a:solidFill>
-                <a:srgbClr val="006699"/>
-              </a:solidFill>
-              <a:latin typeface="Trajan Pro" pitchFamily="18" charset="0"/>
-              <a:ea typeface="ＭＳ Ｐゴシック" pitchFamily="34" charset="-128"/>
-            </a:endParaRPr>
           </a:p>
         </p:txBody>
       </p:sp>
@@ -16120,14 +16103,14 @@
           </a:ln>
           <a:extLst>
             <a:ext uri="{909E8E84-426E-40dd-AFC4-6F175D3DCCD1}">
-              <a14:hiddenFill xmlns="" xmlns:a14="http://schemas.microsoft.com/office/drawing/2010/main">
+              <a14:hiddenFill xmlns:a14="http://schemas.microsoft.com/office/drawing/2010/main" xmlns="">
                 <a:solidFill>
                   <a:srgbClr val="FFFFFF"/>
                 </a:solidFill>
               </a14:hiddenFill>
             </a:ext>
             <a:ext uri="{91240B29-F687-4f45-9708-019B960494DF}">
-              <a14:hiddenLine xmlns="" xmlns:a14="http://schemas.microsoft.com/office/drawing/2010/main" w="9525">
+              <a14:hiddenLine xmlns:a14="http://schemas.microsoft.com/office/drawing/2010/main" xmlns="" w="9525">
                 <a:solidFill>
                   <a:srgbClr val="000000"/>
                 </a:solidFill>
@@ -16692,7 +16675,7 @@
           <a:p>
             <a:r>
               <a:rPr lang="en-US" dirty="0" smtClean="0"/>
-              <a:t>The customer’s problem…</a:t>
+              <a:t>Where we began…</a:t>
             </a:r>
             <a:endParaRPr lang="en-US" dirty="0"/>
           </a:p>
@@ -17040,14 +17023,27 @@
           <a:p>
             <a:r>
               <a:rPr lang="en-US" sz="2000" dirty="0" smtClean="0"/>
-              <a:t>Complete the object implementations with respect to spawn and movement.</a:t>
-            </a:r>
-          </a:p>
-          <a:p>
+              <a:t>Complete the </a:t>
+            </a:r>
             <a:r>
               <a:rPr lang="en-US" sz="2000" dirty="0" smtClean="0"/>
-              <a:t>Begin work on coding the interactions between the objects used in the simulation.</a:t>
-            </a:r>
+              <a:t>implementation of the remaining five objects with </a:t>
+            </a:r>
+            <a:r>
+              <a:rPr lang="en-US" sz="2000" dirty="0" smtClean="0"/>
+              <a:t>respect to spawn and movement.</a:t>
+            </a:r>
+          </a:p>
+          <a:p>
+            <a:r>
+              <a:rPr lang="en-US" sz="2000" dirty="0" smtClean="0"/>
+              <a:t>Begin work on coding the interactions between the objects used in the simulation</a:t>
+            </a:r>
+            <a:r>
+              <a:rPr lang="en-US" sz="2000" dirty="0" smtClean="0"/>
+              <a:t>. Our main focus was the G-protein and its interaction with the receptor, GTP, and GDP.</a:t>
+            </a:r>
+            <a:endParaRPr lang="en-US" sz="2000" dirty="0" smtClean="0"/>
           </a:p>
           <a:p>
             <a:r>
@@ -17153,8 +17149,19 @@
           <a:p>
             <a:r>
               <a:rPr lang="en-US" sz="2000" dirty="0" smtClean="0"/>
-              <a:t>Added Pan and Pinch-to-Zoom functionality for touchscreens</a:t>
-            </a:r>
+              <a:t>Added Pan and Pinch-to-Zoom functionality for </a:t>
+            </a:r>
+            <a:r>
+              <a:rPr lang="en-US" sz="2000" dirty="0" smtClean="0"/>
+              <a:t>touchscreens</a:t>
+            </a:r>
+          </a:p>
+          <a:p>
+            <a:r>
+              <a:rPr lang="en-US" sz="2000" dirty="0" smtClean="0"/>
+              <a:t>Redesign the start screen</a:t>
+            </a:r>
+            <a:endParaRPr lang="en-US" sz="2000" dirty="0" smtClean="0"/>
           </a:p>
           <a:p>
             <a:r>
